--- a/textbook/chap7_optical_flow/figures/optical_flow_forward_looking.pptx
+++ b/textbook/chap7_optical_flow/figures/optical_flow_forward_looking.pptx
@@ -5716,10 +5716,10 @@
       </p:pic>
       <p:pic>
         <p:nvPicPr>
-          <p:cNvPr id="14" name="Picture 13">
+          <p:cNvPr id="13" name="Picture 12">
             <a:extLst>
               <a:ext uri="{FF2B5EF4-FFF2-40B4-BE49-F238E27FC236}">
-                <a16:creationId xmlns:a16="http://schemas.microsoft.com/office/drawing/2014/main" id="{1BED7697-2D2F-C94B-98F4-C0B36CBB7F69}"/>
+                <a16:creationId xmlns:a16="http://schemas.microsoft.com/office/drawing/2014/main" id="{7CE9EC53-506B-E409-E1BF-727C5DD28972}"/>
               </a:ext>
             </a:extLst>
           </p:cNvPr>
@@ -5736,8 +5736,8 @@
         </p:blipFill>
         <p:spPr>
           <a:xfrm>
-            <a:off x="5138684" y="3074934"/>
-            <a:ext cx="863600" cy="266700"/>
+            <a:off x="5069102" y="3036711"/>
+            <a:ext cx="1069512" cy="590626"/>
           </a:xfrm>
           <a:prstGeom prst="rect">
             <a:avLst/>
